--- a/docs/Findings.pptx
+++ b/docs/Findings.pptx
@@ -6,6 +6,9 @@
   </p:sldMasterIdLst>
   <p:sldIdLst>
     <p:sldId id="256" r:id="rId2"/>
+    <p:sldId id="257" r:id="rId3"/>
+    <p:sldId id="258" r:id="rId4"/>
+    <p:sldId id="259" r:id="rId5"/>
   </p:sldIdLst>
   <p:sldSz cx="12192000" cy="6858000"/>
   <p:notesSz cx="6858000" cy="9144000"/>
@@ -104,6 +107,11 @@
       </a:defRPr>
     </a:lvl9pPr>
   </p:defaultTextStyle>
+  <p:extLst>
+    <p:ext uri="{EFAFB233-063F-42B5-8137-9DF3F51BA10A}">
+      <p15:sldGuideLst xmlns:p15="http://schemas.microsoft.com/office/powerpoint/2012/main"/>
+    </p:ext>
+  </p:extLst>
 </p:presentation>
 </file>
 
@@ -254,7 +262,7 @@
           <a:p>
             <a:fld id="{C7762FAE-87CB-4C96-A2CD-8D8DF22F075A}" type="datetimeFigureOut">
               <a:rPr lang="en-US" smtClean="0"/>
-              <a:t>3/11/2023</a:t>
+              <a:t>3/12/2023</a:t>
             </a:fld>
             <a:endParaRPr lang="en-US"/>
           </a:p>
@@ -452,7 +460,7 @@
           <a:p>
             <a:fld id="{C7762FAE-87CB-4C96-A2CD-8D8DF22F075A}" type="datetimeFigureOut">
               <a:rPr lang="en-US" smtClean="0"/>
-              <a:t>3/11/2023</a:t>
+              <a:t>3/12/2023</a:t>
             </a:fld>
             <a:endParaRPr lang="en-US"/>
           </a:p>
@@ -660,7 +668,7 @@
           <a:p>
             <a:fld id="{C7762FAE-87CB-4C96-A2CD-8D8DF22F075A}" type="datetimeFigureOut">
               <a:rPr lang="en-US" smtClean="0"/>
-              <a:t>3/11/2023</a:t>
+              <a:t>3/12/2023</a:t>
             </a:fld>
             <a:endParaRPr lang="en-US"/>
           </a:p>
@@ -858,7 +866,7 @@
           <a:p>
             <a:fld id="{C7762FAE-87CB-4C96-A2CD-8D8DF22F075A}" type="datetimeFigureOut">
               <a:rPr lang="en-US" smtClean="0"/>
-              <a:t>3/11/2023</a:t>
+              <a:t>3/12/2023</a:t>
             </a:fld>
             <a:endParaRPr lang="en-US"/>
           </a:p>
@@ -1133,7 +1141,7 @@
           <a:p>
             <a:fld id="{C7762FAE-87CB-4C96-A2CD-8D8DF22F075A}" type="datetimeFigureOut">
               <a:rPr lang="en-US" smtClean="0"/>
-              <a:t>3/11/2023</a:t>
+              <a:t>3/12/2023</a:t>
             </a:fld>
             <a:endParaRPr lang="en-US"/>
           </a:p>
@@ -1398,7 +1406,7 @@
           <a:p>
             <a:fld id="{C7762FAE-87CB-4C96-A2CD-8D8DF22F075A}" type="datetimeFigureOut">
               <a:rPr lang="en-US" smtClean="0"/>
-              <a:t>3/11/2023</a:t>
+              <a:t>3/12/2023</a:t>
             </a:fld>
             <a:endParaRPr lang="en-US"/>
           </a:p>
@@ -1810,7 +1818,7 @@
           <a:p>
             <a:fld id="{C7762FAE-87CB-4C96-A2CD-8D8DF22F075A}" type="datetimeFigureOut">
               <a:rPr lang="en-US" smtClean="0"/>
-              <a:t>3/11/2023</a:t>
+              <a:t>3/12/2023</a:t>
             </a:fld>
             <a:endParaRPr lang="en-US"/>
           </a:p>
@@ -1951,7 +1959,7 @@
           <a:p>
             <a:fld id="{C7762FAE-87CB-4C96-A2CD-8D8DF22F075A}" type="datetimeFigureOut">
               <a:rPr lang="en-US" smtClean="0"/>
-              <a:t>3/11/2023</a:t>
+              <a:t>3/12/2023</a:t>
             </a:fld>
             <a:endParaRPr lang="en-US"/>
           </a:p>
@@ -2064,7 +2072,7 @@
           <a:p>
             <a:fld id="{C7762FAE-87CB-4C96-A2CD-8D8DF22F075A}" type="datetimeFigureOut">
               <a:rPr lang="en-US" smtClean="0"/>
-              <a:t>3/11/2023</a:t>
+              <a:t>3/12/2023</a:t>
             </a:fld>
             <a:endParaRPr lang="en-US"/>
           </a:p>
@@ -2375,7 +2383,7 @@
           <a:p>
             <a:fld id="{C7762FAE-87CB-4C96-A2CD-8D8DF22F075A}" type="datetimeFigureOut">
               <a:rPr lang="en-US" smtClean="0"/>
-              <a:t>3/11/2023</a:t>
+              <a:t>3/12/2023</a:t>
             </a:fld>
             <a:endParaRPr lang="en-US"/>
           </a:p>
@@ -2663,7 +2671,7 @@
           <a:p>
             <a:fld id="{C7762FAE-87CB-4C96-A2CD-8D8DF22F075A}" type="datetimeFigureOut">
               <a:rPr lang="en-US" smtClean="0"/>
-              <a:t>3/11/2023</a:t>
+              <a:t>3/12/2023</a:t>
             </a:fld>
             <a:endParaRPr lang="en-US"/>
           </a:p>
@@ -2904,7 +2912,7 @@
           <a:p>
             <a:fld id="{C7762FAE-87CB-4C96-A2CD-8D8DF22F075A}" type="datetimeFigureOut">
               <a:rPr lang="en-US" smtClean="0"/>
-              <a:t>3/11/2023</a:t>
+              <a:t>3/12/2023</a:t>
             </a:fld>
             <a:endParaRPr lang="en-US"/>
           </a:p>
@@ -3560,6 +3568,291 @@
 </p:sld>
 </file>
 
+<file path=ppt/slides/slide2.xml><?xml version="1.0" encoding="utf-8"?>
+<p:sld xmlns:a="http://schemas.openxmlformats.org/drawingml/2006/main" xmlns:r="http://schemas.openxmlformats.org/officeDocument/2006/relationships" xmlns:p="http://schemas.openxmlformats.org/presentationml/2006/main">
+  <p:cSld>
+    <p:spTree>
+      <p:nvGrpSpPr>
+        <p:cNvPr id="1" name=""/>
+        <p:cNvGrpSpPr/>
+        <p:nvPr/>
+      </p:nvGrpSpPr>
+      <p:grpSpPr>
+        <a:xfrm>
+          <a:off x="0" y="0"/>
+          <a:ext cx="0" cy="0"/>
+          <a:chOff x="0" y="0"/>
+          <a:chExt cx="0" cy="0"/>
+        </a:xfrm>
+      </p:grpSpPr>
+      <p:sp>
+        <p:nvSpPr>
+          <p:cNvPr id="2" name="Title 3">
+            <a:extLst>
+              <a:ext uri="{FF2B5EF4-FFF2-40B4-BE49-F238E27FC236}">
+                <a16:creationId xmlns:a16="http://schemas.microsoft.com/office/drawing/2014/main" id="{3AA53C78-46C9-BC0D-BDCE-375A479E16CA}"/>
+              </a:ext>
+            </a:extLst>
+          </p:cNvPr>
+          <p:cNvSpPr>
+            <a:spLocks noGrp="1"/>
+          </p:cNvSpPr>
+          <p:nvPr>
+            <p:ph type="title"/>
+          </p:nvPr>
+        </p:nvSpPr>
+        <p:spPr>
+          <a:xfrm>
+            <a:off x="205810" y="258277"/>
+            <a:ext cx="10271333" cy="809948"/>
+          </a:xfrm>
+        </p:spPr>
+        <p:txBody>
+          <a:bodyPr anchor="t">
+            <a:normAutofit/>
+          </a:bodyPr>
+          <a:lstStyle/>
+          <a:p>
+            <a:r>
+              <a:rPr lang="en-US" sz="2800" dirty="0"/>
+              <a:t>Narrow grid</a:t>
+            </a:r>
+          </a:p>
+        </p:txBody>
+      </p:sp>
+      <p:pic>
+        <p:nvPicPr>
+          <p:cNvPr id="5" name="Picture 4">
+            <a:extLst>
+              <a:ext uri="{FF2B5EF4-FFF2-40B4-BE49-F238E27FC236}">
+                <a16:creationId xmlns:a16="http://schemas.microsoft.com/office/drawing/2014/main" id="{4E54B624-E3F1-81A7-13AE-44D179038BFB}"/>
+              </a:ext>
+            </a:extLst>
+          </p:cNvPr>
+          <p:cNvPicPr>
+            <a:picLocks noChangeAspect="1"/>
+          </p:cNvPicPr>
+          <p:nvPr/>
+        </p:nvPicPr>
+        <p:blipFill>
+          <a:blip r:embed="rId2"/>
+          <a:stretch>
+            <a:fillRect/>
+          </a:stretch>
+        </p:blipFill>
+        <p:spPr>
+          <a:xfrm>
+            <a:off x="1133871" y="942544"/>
+            <a:ext cx="9924258" cy="5824016"/>
+          </a:xfrm>
+          <a:prstGeom prst="rect">
+            <a:avLst/>
+          </a:prstGeom>
+        </p:spPr>
+      </p:pic>
+    </p:spTree>
+    <p:extLst>
+      <p:ext uri="{BB962C8B-B14F-4D97-AF65-F5344CB8AC3E}">
+        <p14:creationId xmlns:p14="http://schemas.microsoft.com/office/powerpoint/2010/main" val="3601051010"/>
+      </p:ext>
+    </p:extLst>
+  </p:cSld>
+  <p:clrMapOvr>
+    <a:masterClrMapping/>
+  </p:clrMapOvr>
+</p:sld>
+</file>
+
+<file path=ppt/slides/slide3.xml><?xml version="1.0" encoding="utf-8"?>
+<p:sld xmlns:a="http://schemas.openxmlformats.org/drawingml/2006/main" xmlns:r="http://schemas.openxmlformats.org/officeDocument/2006/relationships" xmlns:p="http://schemas.openxmlformats.org/presentationml/2006/main">
+  <p:cSld>
+    <p:spTree>
+      <p:nvGrpSpPr>
+        <p:cNvPr id="1" name=""/>
+        <p:cNvGrpSpPr/>
+        <p:nvPr/>
+      </p:nvGrpSpPr>
+      <p:grpSpPr>
+        <a:xfrm>
+          <a:off x="0" y="0"/>
+          <a:ext cx="0" cy="0"/>
+          <a:chOff x="0" y="0"/>
+          <a:chExt cx="0" cy="0"/>
+        </a:xfrm>
+      </p:grpSpPr>
+      <p:sp>
+        <p:nvSpPr>
+          <p:cNvPr id="2" name="Title 3">
+            <a:extLst>
+              <a:ext uri="{FF2B5EF4-FFF2-40B4-BE49-F238E27FC236}">
+                <a16:creationId xmlns:a16="http://schemas.microsoft.com/office/drawing/2014/main" id="{3AA53C78-46C9-BC0D-BDCE-375A479E16CA}"/>
+              </a:ext>
+            </a:extLst>
+          </p:cNvPr>
+          <p:cNvSpPr>
+            <a:spLocks noGrp="1"/>
+          </p:cNvSpPr>
+          <p:nvPr>
+            <p:ph type="title"/>
+          </p:nvPr>
+        </p:nvSpPr>
+        <p:spPr>
+          <a:xfrm>
+            <a:off x="205810" y="258277"/>
+            <a:ext cx="10271333" cy="809948"/>
+          </a:xfrm>
+        </p:spPr>
+        <p:txBody>
+          <a:bodyPr anchor="t">
+            <a:normAutofit/>
+          </a:bodyPr>
+          <a:lstStyle/>
+          <a:p>
+            <a:r>
+              <a:rPr lang="en-US" sz="2800" dirty="0"/>
+              <a:t>wide grid</a:t>
+            </a:r>
+          </a:p>
+        </p:txBody>
+      </p:sp>
+      <p:pic>
+        <p:nvPicPr>
+          <p:cNvPr id="4" name="Picture 3">
+            <a:extLst>
+              <a:ext uri="{FF2B5EF4-FFF2-40B4-BE49-F238E27FC236}">
+                <a16:creationId xmlns:a16="http://schemas.microsoft.com/office/drawing/2014/main" id="{43D60CB8-104F-9D97-25CD-D827EE114820}"/>
+              </a:ext>
+            </a:extLst>
+          </p:cNvPr>
+          <p:cNvPicPr>
+            <a:picLocks noChangeAspect="1"/>
+          </p:cNvPicPr>
+          <p:nvPr/>
+        </p:nvPicPr>
+        <p:blipFill>
+          <a:blip r:embed="rId2"/>
+          <a:stretch>
+            <a:fillRect/>
+          </a:stretch>
+        </p:blipFill>
+        <p:spPr>
+          <a:xfrm>
+            <a:off x="1133871" y="775707"/>
+            <a:ext cx="9924258" cy="5824016"/>
+          </a:xfrm>
+          <a:prstGeom prst="rect">
+            <a:avLst/>
+          </a:prstGeom>
+        </p:spPr>
+      </p:pic>
+    </p:spTree>
+    <p:extLst>
+      <p:ext uri="{BB962C8B-B14F-4D97-AF65-F5344CB8AC3E}">
+        <p14:creationId xmlns:p14="http://schemas.microsoft.com/office/powerpoint/2010/main" val="2251069363"/>
+      </p:ext>
+    </p:extLst>
+  </p:cSld>
+  <p:clrMapOvr>
+    <a:masterClrMapping/>
+  </p:clrMapOvr>
+</p:sld>
+</file>
+
+<file path=ppt/slides/slide4.xml><?xml version="1.0" encoding="utf-8"?>
+<p:sld xmlns:a="http://schemas.openxmlformats.org/drawingml/2006/main" xmlns:r="http://schemas.openxmlformats.org/officeDocument/2006/relationships" xmlns:p="http://schemas.openxmlformats.org/presentationml/2006/main">
+  <p:cSld>
+    <p:spTree>
+      <p:nvGrpSpPr>
+        <p:cNvPr id="1" name=""/>
+        <p:cNvGrpSpPr/>
+        <p:nvPr/>
+      </p:nvGrpSpPr>
+      <p:grpSpPr>
+        <a:xfrm>
+          <a:off x="0" y="0"/>
+          <a:ext cx="0" cy="0"/>
+          <a:chOff x="0" y="0"/>
+          <a:chExt cx="0" cy="0"/>
+        </a:xfrm>
+      </p:grpSpPr>
+      <p:sp>
+        <p:nvSpPr>
+          <p:cNvPr id="2" name="Title 3">
+            <a:extLst>
+              <a:ext uri="{FF2B5EF4-FFF2-40B4-BE49-F238E27FC236}">
+                <a16:creationId xmlns:a16="http://schemas.microsoft.com/office/drawing/2014/main" id="{3AA53C78-46C9-BC0D-BDCE-375A479E16CA}"/>
+              </a:ext>
+            </a:extLst>
+          </p:cNvPr>
+          <p:cNvSpPr>
+            <a:spLocks noGrp="1"/>
+          </p:cNvSpPr>
+          <p:nvPr>
+            <p:ph type="title"/>
+          </p:nvPr>
+        </p:nvSpPr>
+        <p:spPr>
+          <a:xfrm>
+            <a:off x="205810" y="258277"/>
+            <a:ext cx="10271333" cy="809948"/>
+          </a:xfrm>
+        </p:spPr>
+        <p:txBody>
+          <a:bodyPr anchor="t">
+            <a:normAutofit/>
+          </a:bodyPr>
+          <a:lstStyle/>
+          <a:p>
+            <a:r>
+              <a:rPr lang="en-US" sz="2800" dirty="0"/>
+              <a:t>random grid</a:t>
+            </a:r>
+          </a:p>
+        </p:txBody>
+      </p:sp>
+      <p:pic>
+        <p:nvPicPr>
+          <p:cNvPr id="5" name="Picture 4">
+            <a:extLst>
+              <a:ext uri="{FF2B5EF4-FFF2-40B4-BE49-F238E27FC236}">
+                <a16:creationId xmlns:a16="http://schemas.microsoft.com/office/drawing/2014/main" id="{45F51BC8-7B84-57AD-3C5D-18A0B231CDE7}"/>
+              </a:ext>
+            </a:extLst>
+          </p:cNvPr>
+          <p:cNvPicPr>
+            <a:picLocks noChangeAspect="1"/>
+          </p:cNvPicPr>
+          <p:nvPr/>
+        </p:nvPicPr>
+        <p:blipFill>
+          <a:blip r:embed="rId2"/>
+          <a:stretch>
+            <a:fillRect/>
+          </a:stretch>
+        </p:blipFill>
+        <p:spPr>
+          <a:xfrm>
+            <a:off x="1133871" y="775706"/>
+            <a:ext cx="9924258" cy="5824017"/>
+          </a:xfrm>
+          <a:prstGeom prst="rect">
+            <a:avLst/>
+          </a:prstGeom>
+        </p:spPr>
+      </p:pic>
+    </p:spTree>
+    <p:extLst>
+      <p:ext uri="{BB962C8B-B14F-4D97-AF65-F5344CB8AC3E}">
+        <p14:creationId xmlns:p14="http://schemas.microsoft.com/office/powerpoint/2010/main" val="61009910"/>
+      </p:ext>
+    </p:extLst>
+  </p:cSld>
+  <p:clrMapOvr>
+    <a:masterClrMapping/>
+  </p:clrMapOvr>
+</p:sld>
+</file>
+
 <file path=ppt/theme/theme1.xml><?xml version="1.0" encoding="utf-8"?>
 <a:theme xmlns:a="http://schemas.openxmlformats.org/drawingml/2006/main" name="Office Theme">
   <a:themeElements>

--- a/docs/Findings.pptx
+++ b/docs/Findings.pptx
@@ -9,6 +9,19 @@
     <p:sldId id="257" r:id="rId3"/>
     <p:sldId id="258" r:id="rId4"/>
     <p:sldId id="259" r:id="rId5"/>
+    <p:sldId id="266" r:id="rId6"/>
+    <p:sldId id="260" r:id="rId7"/>
+    <p:sldId id="261" r:id="rId8"/>
+    <p:sldId id="263" r:id="rId9"/>
+    <p:sldId id="264" r:id="rId10"/>
+    <p:sldId id="269" r:id="rId11"/>
+    <p:sldId id="268" r:id="rId12"/>
+    <p:sldId id="267" r:id="rId13"/>
+    <p:sldId id="270" r:id="rId14"/>
+    <p:sldId id="271" r:id="rId15"/>
+    <p:sldId id="272" r:id="rId16"/>
+    <p:sldId id="274" r:id="rId17"/>
+    <p:sldId id="265" r:id="rId18"/>
   </p:sldIdLst>
   <p:sldSz cx="12192000" cy="6858000"/>
   <p:notesSz cx="6858000" cy="9144000"/>
@@ -3568,6 +3581,718 @@
 </p:sld>
 </file>
 
+<file path=ppt/slides/slide10.xml><?xml version="1.0" encoding="utf-8"?>
+<p:sld xmlns:a="http://schemas.openxmlformats.org/drawingml/2006/main" xmlns:r="http://schemas.openxmlformats.org/officeDocument/2006/relationships" xmlns:p="http://schemas.openxmlformats.org/presentationml/2006/main">
+  <p:cSld>
+    <p:spTree>
+      <p:nvGrpSpPr>
+        <p:cNvPr id="1" name=""/>
+        <p:cNvGrpSpPr/>
+        <p:nvPr/>
+      </p:nvGrpSpPr>
+      <p:grpSpPr>
+        <a:xfrm>
+          <a:off x="0" y="0"/>
+          <a:ext cx="0" cy="0"/>
+          <a:chOff x="0" y="0"/>
+          <a:chExt cx="0" cy="0"/>
+        </a:xfrm>
+      </p:grpSpPr>
+      <p:pic>
+        <p:nvPicPr>
+          <p:cNvPr id="3" name="Picture 2">
+            <a:extLst>
+              <a:ext uri="{FF2B5EF4-FFF2-40B4-BE49-F238E27FC236}">
+                <a16:creationId xmlns:a16="http://schemas.microsoft.com/office/drawing/2014/main" id="{7A7A6E16-241C-1ADD-B8E7-79BD684933C3}"/>
+              </a:ext>
+            </a:extLst>
+          </p:cNvPr>
+          <p:cNvPicPr>
+            <a:picLocks noChangeAspect="1"/>
+          </p:cNvPicPr>
+          <p:nvPr/>
+        </p:nvPicPr>
+        <p:blipFill>
+          <a:blip r:embed="rId2"/>
+          <a:stretch>
+            <a:fillRect/>
+          </a:stretch>
+        </p:blipFill>
+        <p:spPr>
+          <a:xfrm>
+            <a:off x="2597076" y="329640"/>
+            <a:ext cx="6997848" cy="6358914"/>
+          </a:xfrm>
+          <a:prstGeom prst="rect">
+            <a:avLst/>
+          </a:prstGeom>
+        </p:spPr>
+      </p:pic>
+    </p:spTree>
+    <p:extLst>
+      <p:ext uri="{BB962C8B-B14F-4D97-AF65-F5344CB8AC3E}">
+        <p14:creationId xmlns:p14="http://schemas.microsoft.com/office/powerpoint/2010/main" val="369294814"/>
+      </p:ext>
+    </p:extLst>
+  </p:cSld>
+  <p:clrMapOvr>
+    <a:masterClrMapping/>
+  </p:clrMapOvr>
+</p:sld>
+</file>
+
+<file path=ppt/slides/slide11.xml><?xml version="1.0" encoding="utf-8"?>
+<p:sld xmlns:a="http://schemas.openxmlformats.org/drawingml/2006/main" xmlns:r="http://schemas.openxmlformats.org/officeDocument/2006/relationships" xmlns:p="http://schemas.openxmlformats.org/presentationml/2006/main">
+  <p:cSld>
+    <p:spTree>
+      <p:nvGrpSpPr>
+        <p:cNvPr id="1" name=""/>
+        <p:cNvGrpSpPr/>
+        <p:nvPr/>
+      </p:nvGrpSpPr>
+      <p:grpSpPr>
+        <a:xfrm>
+          <a:off x="0" y="0"/>
+          <a:ext cx="0" cy="0"/>
+          <a:chOff x="0" y="0"/>
+          <a:chExt cx="0" cy="0"/>
+        </a:xfrm>
+      </p:grpSpPr>
+      <p:pic>
+        <p:nvPicPr>
+          <p:cNvPr id="3" name="Picture 2">
+            <a:extLst>
+              <a:ext uri="{FF2B5EF4-FFF2-40B4-BE49-F238E27FC236}">
+                <a16:creationId xmlns:a16="http://schemas.microsoft.com/office/drawing/2014/main" id="{CCE84665-845C-C1F4-5431-AB7816983B40}"/>
+              </a:ext>
+            </a:extLst>
+          </p:cNvPr>
+          <p:cNvPicPr>
+            <a:picLocks noChangeAspect="1"/>
+          </p:cNvPicPr>
+          <p:nvPr/>
+        </p:nvPicPr>
+        <p:blipFill>
+          <a:blip r:embed="rId2"/>
+          <a:stretch>
+            <a:fillRect/>
+          </a:stretch>
+        </p:blipFill>
+        <p:spPr>
+          <a:xfrm>
+            <a:off x="2597076" y="169446"/>
+            <a:ext cx="6997848" cy="6358914"/>
+          </a:xfrm>
+          <a:prstGeom prst="rect">
+            <a:avLst/>
+          </a:prstGeom>
+        </p:spPr>
+      </p:pic>
+    </p:spTree>
+    <p:extLst>
+      <p:ext uri="{BB962C8B-B14F-4D97-AF65-F5344CB8AC3E}">
+        <p14:creationId xmlns:p14="http://schemas.microsoft.com/office/powerpoint/2010/main" val="4030613828"/>
+      </p:ext>
+    </p:extLst>
+  </p:cSld>
+  <p:clrMapOvr>
+    <a:masterClrMapping/>
+  </p:clrMapOvr>
+</p:sld>
+</file>
+
+<file path=ppt/slides/slide12.xml><?xml version="1.0" encoding="utf-8"?>
+<p:sld xmlns:a="http://schemas.openxmlformats.org/drawingml/2006/main" xmlns:r="http://schemas.openxmlformats.org/officeDocument/2006/relationships" xmlns:p="http://schemas.openxmlformats.org/presentationml/2006/main">
+  <p:cSld>
+    <p:spTree>
+      <p:nvGrpSpPr>
+        <p:cNvPr id="1" name=""/>
+        <p:cNvGrpSpPr/>
+        <p:nvPr/>
+      </p:nvGrpSpPr>
+      <p:grpSpPr>
+        <a:xfrm>
+          <a:off x="0" y="0"/>
+          <a:ext cx="0" cy="0"/>
+          <a:chOff x="0" y="0"/>
+          <a:chExt cx="0" cy="0"/>
+        </a:xfrm>
+      </p:grpSpPr>
+      <p:sp>
+        <p:nvSpPr>
+          <p:cNvPr id="2" name="Title 1">
+            <a:extLst>
+              <a:ext uri="{FF2B5EF4-FFF2-40B4-BE49-F238E27FC236}">
+                <a16:creationId xmlns:a16="http://schemas.microsoft.com/office/drawing/2014/main" id="{2C073120-F5E9-3AAE-63B6-B39CBF69AB34}"/>
+              </a:ext>
+            </a:extLst>
+          </p:cNvPr>
+          <p:cNvSpPr>
+            <a:spLocks noGrp="1"/>
+          </p:cNvSpPr>
+          <p:nvPr>
+            <p:ph type="title"/>
+          </p:nvPr>
+        </p:nvSpPr>
+        <p:spPr/>
+        <p:txBody>
+          <a:bodyPr/>
+          <a:lstStyle/>
+          <a:p>
+            <a:r>
+              <a:rPr lang="en-US" dirty="0"/>
+              <a:t>The following tests were done with random augmentation which changes at every step()</a:t>
+            </a:r>
+          </a:p>
+        </p:txBody>
+      </p:sp>
+    </p:spTree>
+    <p:extLst>
+      <p:ext uri="{BB962C8B-B14F-4D97-AF65-F5344CB8AC3E}">
+        <p14:creationId xmlns:p14="http://schemas.microsoft.com/office/powerpoint/2010/main" val="423200868"/>
+      </p:ext>
+    </p:extLst>
+  </p:cSld>
+  <p:clrMapOvr>
+    <a:masterClrMapping/>
+  </p:clrMapOvr>
+</p:sld>
+</file>
+
+<file path=ppt/slides/slide13.xml><?xml version="1.0" encoding="utf-8"?>
+<p:sld xmlns:a="http://schemas.openxmlformats.org/drawingml/2006/main" xmlns:r="http://schemas.openxmlformats.org/officeDocument/2006/relationships" xmlns:p="http://schemas.openxmlformats.org/presentationml/2006/main">
+  <p:cSld>
+    <p:spTree>
+      <p:nvGrpSpPr>
+        <p:cNvPr id="1" name=""/>
+        <p:cNvGrpSpPr/>
+        <p:nvPr/>
+      </p:nvGrpSpPr>
+      <p:grpSpPr>
+        <a:xfrm>
+          <a:off x="0" y="0"/>
+          <a:ext cx="0" cy="0"/>
+          <a:chOff x="0" y="0"/>
+          <a:chExt cx="0" cy="0"/>
+        </a:xfrm>
+      </p:grpSpPr>
+      <p:sp>
+        <p:nvSpPr>
+          <p:cNvPr id="7" name="TextBox 6">
+            <a:extLst>
+              <a:ext uri="{FF2B5EF4-FFF2-40B4-BE49-F238E27FC236}">
+                <a16:creationId xmlns:a16="http://schemas.microsoft.com/office/drawing/2014/main" id="{C24128CA-9037-523D-0CA9-032F925C7264}"/>
+              </a:ext>
+            </a:extLst>
+          </p:cNvPr>
+          <p:cNvSpPr txBox="1"/>
+          <p:nvPr/>
+        </p:nvSpPr>
+        <p:spPr>
+          <a:xfrm>
+            <a:off x="8600844" y="3409118"/>
+            <a:ext cx="3247619" cy="261610"/>
+          </a:xfrm>
+          <a:prstGeom prst="rect">
+            <a:avLst/>
+          </a:prstGeom>
+          <a:noFill/>
+        </p:spPr>
+        <p:txBody>
+          <a:bodyPr wrap="square" rtlCol="0">
+            <a:spAutoFit/>
+          </a:bodyPr>
+          <a:lstStyle/>
+          <a:p>
+            <a:pPr algn="r"/>
+            <a:r>
+              <a:rPr lang="en-US" sz="1100" dirty="0"/>
+              <a:t>Smoothing 0.8</a:t>
+            </a:r>
+          </a:p>
+        </p:txBody>
+      </p:sp>
+      <p:pic>
+        <p:nvPicPr>
+          <p:cNvPr id="8" name="Picture 7">
+            <a:extLst>
+              <a:ext uri="{FF2B5EF4-FFF2-40B4-BE49-F238E27FC236}">
+                <a16:creationId xmlns:a16="http://schemas.microsoft.com/office/drawing/2014/main" id="{91BB6B68-3932-6ED4-150F-0B3C4141A153}"/>
+              </a:ext>
+            </a:extLst>
+          </p:cNvPr>
+          <p:cNvPicPr>
+            <a:picLocks noChangeAspect="1"/>
+          </p:cNvPicPr>
+          <p:nvPr/>
+        </p:nvPicPr>
+        <p:blipFill>
+          <a:blip r:embed="rId2"/>
+          <a:stretch>
+            <a:fillRect/>
+          </a:stretch>
+        </p:blipFill>
+        <p:spPr>
+          <a:xfrm>
+            <a:off x="642977" y="549447"/>
+            <a:ext cx="7609524" cy="5980952"/>
+          </a:xfrm>
+          <a:prstGeom prst="rect">
+            <a:avLst/>
+          </a:prstGeom>
+        </p:spPr>
+      </p:pic>
+      <p:pic>
+        <p:nvPicPr>
+          <p:cNvPr id="10" name="Picture 9">
+            <a:extLst>
+              <a:ext uri="{FF2B5EF4-FFF2-40B4-BE49-F238E27FC236}">
+                <a16:creationId xmlns:a16="http://schemas.microsoft.com/office/drawing/2014/main" id="{4DF6511E-0A3D-EF53-BF90-58360BBEE6DA}"/>
+              </a:ext>
+            </a:extLst>
+          </p:cNvPr>
+          <p:cNvPicPr>
+            <a:picLocks noChangeAspect="1"/>
+          </p:cNvPicPr>
+          <p:nvPr/>
+        </p:nvPicPr>
+        <p:blipFill>
+          <a:blip r:embed="rId3"/>
+          <a:stretch>
+            <a:fillRect/>
+          </a:stretch>
+        </p:blipFill>
+        <p:spPr>
+          <a:xfrm>
+            <a:off x="8600844" y="667640"/>
+            <a:ext cx="3247619" cy="2605434"/>
+          </a:xfrm>
+          <a:prstGeom prst="rect">
+            <a:avLst/>
+          </a:prstGeom>
+        </p:spPr>
+      </p:pic>
+    </p:spTree>
+    <p:extLst>
+      <p:ext uri="{BB962C8B-B14F-4D97-AF65-F5344CB8AC3E}">
+        <p14:creationId xmlns:p14="http://schemas.microsoft.com/office/powerpoint/2010/main" val="2542672839"/>
+      </p:ext>
+    </p:extLst>
+  </p:cSld>
+  <p:clrMapOvr>
+    <a:masterClrMapping/>
+  </p:clrMapOvr>
+</p:sld>
+</file>
+
+<file path=ppt/slides/slide14.xml><?xml version="1.0" encoding="utf-8"?>
+<p:sld xmlns:a="http://schemas.openxmlformats.org/drawingml/2006/main" xmlns:r="http://schemas.openxmlformats.org/officeDocument/2006/relationships" xmlns:p="http://schemas.openxmlformats.org/presentationml/2006/main">
+  <p:cSld>
+    <p:spTree>
+      <p:nvGrpSpPr>
+        <p:cNvPr id="1" name=""/>
+        <p:cNvGrpSpPr/>
+        <p:nvPr/>
+      </p:nvGrpSpPr>
+      <p:grpSpPr>
+        <a:xfrm>
+          <a:off x="0" y="0"/>
+          <a:ext cx="0" cy="0"/>
+          <a:chOff x="0" y="0"/>
+          <a:chExt cx="0" cy="0"/>
+        </a:xfrm>
+      </p:grpSpPr>
+      <p:sp>
+        <p:nvSpPr>
+          <p:cNvPr id="7" name="TextBox 6">
+            <a:extLst>
+              <a:ext uri="{FF2B5EF4-FFF2-40B4-BE49-F238E27FC236}">
+                <a16:creationId xmlns:a16="http://schemas.microsoft.com/office/drawing/2014/main" id="{C24128CA-9037-523D-0CA9-032F925C7264}"/>
+              </a:ext>
+            </a:extLst>
+          </p:cNvPr>
+          <p:cNvSpPr txBox="1"/>
+          <p:nvPr/>
+        </p:nvSpPr>
+        <p:spPr>
+          <a:xfrm>
+            <a:off x="8600844" y="3409118"/>
+            <a:ext cx="3247619" cy="261610"/>
+          </a:xfrm>
+          <a:prstGeom prst="rect">
+            <a:avLst/>
+          </a:prstGeom>
+          <a:noFill/>
+        </p:spPr>
+        <p:txBody>
+          <a:bodyPr wrap="square" rtlCol="0">
+            <a:spAutoFit/>
+          </a:bodyPr>
+          <a:lstStyle/>
+          <a:p>
+            <a:pPr algn="r"/>
+            <a:r>
+              <a:rPr lang="en-US" sz="1100" dirty="0"/>
+              <a:t>Smoothing 0.8</a:t>
+            </a:r>
+          </a:p>
+        </p:txBody>
+      </p:sp>
+      <p:pic>
+        <p:nvPicPr>
+          <p:cNvPr id="3" name="Picture 2">
+            <a:extLst>
+              <a:ext uri="{FF2B5EF4-FFF2-40B4-BE49-F238E27FC236}">
+                <a16:creationId xmlns:a16="http://schemas.microsoft.com/office/drawing/2014/main" id="{76847702-2B67-E1B7-0081-708C32F3CF04}"/>
+              </a:ext>
+            </a:extLst>
+          </p:cNvPr>
+          <p:cNvPicPr>
+            <a:picLocks noChangeAspect="1"/>
+          </p:cNvPicPr>
+          <p:nvPr/>
+        </p:nvPicPr>
+        <p:blipFill>
+          <a:blip r:embed="rId2"/>
+          <a:stretch>
+            <a:fillRect/>
+          </a:stretch>
+        </p:blipFill>
+        <p:spPr>
+          <a:xfrm>
+            <a:off x="628977" y="549447"/>
+            <a:ext cx="7590476" cy="6000000"/>
+          </a:xfrm>
+          <a:prstGeom prst="rect">
+            <a:avLst/>
+          </a:prstGeom>
+        </p:spPr>
+      </p:pic>
+      <p:pic>
+        <p:nvPicPr>
+          <p:cNvPr id="5" name="Picture 4">
+            <a:extLst>
+              <a:ext uri="{FF2B5EF4-FFF2-40B4-BE49-F238E27FC236}">
+                <a16:creationId xmlns:a16="http://schemas.microsoft.com/office/drawing/2014/main" id="{750A7E0C-98F6-5BDD-2818-754A44E07B1E}"/>
+              </a:ext>
+            </a:extLst>
+          </p:cNvPr>
+          <p:cNvPicPr>
+            <a:picLocks noChangeAspect="1"/>
+          </p:cNvPicPr>
+          <p:nvPr/>
+        </p:nvPicPr>
+        <p:blipFill>
+          <a:blip r:embed="rId3"/>
+          <a:stretch>
+            <a:fillRect/>
+          </a:stretch>
+        </p:blipFill>
+        <p:spPr>
+          <a:xfrm>
+            <a:off x="8600843" y="727761"/>
+            <a:ext cx="3247619" cy="2628571"/>
+          </a:xfrm>
+          <a:prstGeom prst="rect">
+            <a:avLst/>
+          </a:prstGeom>
+        </p:spPr>
+      </p:pic>
+    </p:spTree>
+    <p:extLst>
+      <p:ext uri="{BB962C8B-B14F-4D97-AF65-F5344CB8AC3E}">
+        <p14:creationId xmlns:p14="http://schemas.microsoft.com/office/powerpoint/2010/main" val="661563272"/>
+      </p:ext>
+    </p:extLst>
+  </p:cSld>
+  <p:clrMapOvr>
+    <a:masterClrMapping/>
+  </p:clrMapOvr>
+</p:sld>
+</file>
+
+<file path=ppt/slides/slide15.xml><?xml version="1.0" encoding="utf-8"?>
+<p:sld xmlns:a="http://schemas.openxmlformats.org/drawingml/2006/main" xmlns:r="http://schemas.openxmlformats.org/officeDocument/2006/relationships" xmlns:p="http://schemas.openxmlformats.org/presentationml/2006/main">
+  <p:cSld>
+    <p:spTree>
+      <p:nvGrpSpPr>
+        <p:cNvPr id="1" name=""/>
+        <p:cNvGrpSpPr/>
+        <p:nvPr/>
+      </p:nvGrpSpPr>
+      <p:grpSpPr>
+        <a:xfrm>
+          <a:off x="0" y="0"/>
+          <a:ext cx="0" cy="0"/>
+          <a:chOff x="0" y="0"/>
+          <a:chExt cx="0" cy="0"/>
+        </a:xfrm>
+      </p:grpSpPr>
+      <p:sp>
+        <p:nvSpPr>
+          <p:cNvPr id="7" name="TextBox 6">
+            <a:extLst>
+              <a:ext uri="{FF2B5EF4-FFF2-40B4-BE49-F238E27FC236}">
+                <a16:creationId xmlns:a16="http://schemas.microsoft.com/office/drawing/2014/main" id="{C24128CA-9037-523D-0CA9-032F925C7264}"/>
+              </a:ext>
+            </a:extLst>
+          </p:cNvPr>
+          <p:cNvSpPr txBox="1"/>
+          <p:nvPr/>
+        </p:nvSpPr>
+        <p:spPr>
+          <a:xfrm>
+            <a:off x="8600844" y="3409118"/>
+            <a:ext cx="3247619" cy="261610"/>
+          </a:xfrm>
+          <a:prstGeom prst="rect">
+            <a:avLst/>
+          </a:prstGeom>
+          <a:noFill/>
+        </p:spPr>
+        <p:txBody>
+          <a:bodyPr wrap="square" rtlCol="0">
+            <a:spAutoFit/>
+          </a:bodyPr>
+          <a:lstStyle/>
+          <a:p>
+            <a:pPr algn="r"/>
+            <a:r>
+              <a:rPr lang="en-US" sz="1100" dirty="0"/>
+              <a:t>Smoothing 0.8</a:t>
+            </a:r>
+          </a:p>
+        </p:txBody>
+      </p:sp>
+      <p:pic>
+        <p:nvPicPr>
+          <p:cNvPr id="4" name="Picture 3">
+            <a:extLst>
+              <a:ext uri="{FF2B5EF4-FFF2-40B4-BE49-F238E27FC236}">
+                <a16:creationId xmlns:a16="http://schemas.microsoft.com/office/drawing/2014/main" id="{9E4BBF91-7BDB-5E01-075B-71F901CEE486}"/>
+              </a:ext>
+            </a:extLst>
+          </p:cNvPr>
+          <p:cNvPicPr>
+            <a:picLocks noChangeAspect="1"/>
+          </p:cNvPicPr>
+          <p:nvPr/>
+        </p:nvPicPr>
+        <p:blipFill>
+          <a:blip r:embed="rId2"/>
+          <a:stretch>
+            <a:fillRect/>
+          </a:stretch>
+        </p:blipFill>
+        <p:spPr>
+          <a:xfrm>
+            <a:off x="628977" y="557993"/>
+            <a:ext cx="7609524" cy="5980952"/>
+          </a:xfrm>
+          <a:prstGeom prst="rect">
+            <a:avLst/>
+          </a:prstGeom>
+        </p:spPr>
+      </p:pic>
+      <p:pic>
+        <p:nvPicPr>
+          <p:cNvPr id="8" name="Picture 7">
+            <a:extLst>
+              <a:ext uri="{FF2B5EF4-FFF2-40B4-BE49-F238E27FC236}">
+                <a16:creationId xmlns:a16="http://schemas.microsoft.com/office/drawing/2014/main" id="{E70A02F0-487F-A38D-23AF-A004FAA478DE}"/>
+              </a:ext>
+            </a:extLst>
+          </p:cNvPr>
+          <p:cNvPicPr>
+            <a:picLocks noChangeAspect="1"/>
+          </p:cNvPicPr>
+          <p:nvPr/>
+        </p:nvPicPr>
+        <p:blipFill>
+          <a:blip r:embed="rId3"/>
+          <a:stretch>
+            <a:fillRect/>
+          </a:stretch>
+        </p:blipFill>
+        <p:spPr>
+          <a:xfrm>
+            <a:off x="8595103" y="673672"/>
+            <a:ext cx="3276190" cy="2647619"/>
+          </a:xfrm>
+          <a:prstGeom prst="rect">
+            <a:avLst/>
+          </a:prstGeom>
+        </p:spPr>
+      </p:pic>
+    </p:spTree>
+    <p:extLst>
+      <p:ext uri="{BB962C8B-B14F-4D97-AF65-F5344CB8AC3E}">
+        <p14:creationId xmlns:p14="http://schemas.microsoft.com/office/powerpoint/2010/main" val="5660083"/>
+      </p:ext>
+    </p:extLst>
+  </p:cSld>
+  <p:clrMapOvr>
+    <a:masterClrMapping/>
+  </p:clrMapOvr>
+</p:sld>
+</file>
+
+<file path=ppt/slides/slide16.xml><?xml version="1.0" encoding="utf-8"?>
+<p:sld xmlns:a="http://schemas.openxmlformats.org/drawingml/2006/main" xmlns:r="http://schemas.openxmlformats.org/officeDocument/2006/relationships" xmlns:p="http://schemas.openxmlformats.org/presentationml/2006/main">
+  <p:cSld>
+    <p:spTree>
+      <p:nvGrpSpPr>
+        <p:cNvPr id="1" name=""/>
+        <p:cNvGrpSpPr/>
+        <p:nvPr/>
+      </p:nvGrpSpPr>
+      <p:grpSpPr>
+        <a:xfrm>
+          <a:off x="0" y="0"/>
+          <a:ext cx="0" cy="0"/>
+          <a:chOff x="0" y="0"/>
+          <a:chExt cx="0" cy="0"/>
+        </a:xfrm>
+      </p:grpSpPr>
+      <p:pic>
+        <p:nvPicPr>
+          <p:cNvPr id="2" name="Picture 1">
+            <a:extLst>
+              <a:ext uri="{FF2B5EF4-FFF2-40B4-BE49-F238E27FC236}">
+                <a16:creationId xmlns:a16="http://schemas.microsoft.com/office/drawing/2014/main" id="{342EACCB-A043-3686-7B79-605B81F4F6A0}"/>
+              </a:ext>
+            </a:extLst>
+          </p:cNvPr>
+          <p:cNvPicPr>
+            <a:picLocks noChangeAspect="1"/>
+          </p:cNvPicPr>
+          <p:nvPr/>
+        </p:nvPicPr>
+        <p:blipFill>
+          <a:blip r:embed="rId2"/>
+          <a:stretch>
+            <a:fillRect/>
+          </a:stretch>
+        </p:blipFill>
+        <p:spPr>
+          <a:xfrm>
+            <a:off x="2597076" y="212435"/>
+            <a:ext cx="6997847" cy="6358913"/>
+          </a:xfrm>
+          <a:prstGeom prst="rect">
+            <a:avLst/>
+          </a:prstGeom>
+        </p:spPr>
+      </p:pic>
+    </p:spTree>
+    <p:extLst>
+      <p:ext uri="{BB962C8B-B14F-4D97-AF65-F5344CB8AC3E}">
+        <p14:creationId xmlns:p14="http://schemas.microsoft.com/office/powerpoint/2010/main" val="2490522018"/>
+      </p:ext>
+    </p:extLst>
+  </p:cSld>
+  <p:clrMapOvr>
+    <a:masterClrMapping/>
+  </p:clrMapOvr>
+</p:sld>
+</file>
+
+<file path=ppt/slides/slide17.xml><?xml version="1.0" encoding="utf-8"?>
+<p:sld xmlns:a="http://schemas.openxmlformats.org/drawingml/2006/main" xmlns:r="http://schemas.openxmlformats.org/officeDocument/2006/relationships" xmlns:p="http://schemas.openxmlformats.org/presentationml/2006/main">
+  <p:cSld>
+    <p:spTree>
+      <p:nvGrpSpPr>
+        <p:cNvPr id="1" name=""/>
+        <p:cNvGrpSpPr/>
+        <p:nvPr/>
+      </p:nvGrpSpPr>
+      <p:grpSpPr>
+        <a:xfrm>
+          <a:off x="0" y="0"/>
+          <a:ext cx="0" cy="0"/>
+          <a:chOff x="0" y="0"/>
+          <a:chExt cx="0" cy="0"/>
+        </a:xfrm>
+      </p:grpSpPr>
+      <p:sp>
+        <p:nvSpPr>
+          <p:cNvPr id="2" name="Title 1">
+            <a:extLst>
+              <a:ext uri="{FF2B5EF4-FFF2-40B4-BE49-F238E27FC236}">
+                <a16:creationId xmlns:a16="http://schemas.microsoft.com/office/drawing/2014/main" id="{9ED2AB34-4C20-E3FE-119E-8956312B5EBC}"/>
+              </a:ext>
+            </a:extLst>
+          </p:cNvPr>
+          <p:cNvSpPr>
+            <a:spLocks noGrp="1"/>
+          </p:cNvSpPr>
+          <p:nvPr>
+            <p:ph type="title"/>
+          </p:nvPr>
+        </p:nvSpPr>
+        <p:spPr/>
+        <p:txBody>
+          <a:bodyPr/>
+          <a:lstStyle/>
+          <a:p>
+            <a:r>
+              <a:rPr lang="en-US" dirty="0"/>
+              <a:t>Questions</a:t>
+            </a:r>
+          </a:p>
+        </p:txBody>
+      </p:sp>
+      <p:sp>
+        <p:nvSpPr>
+          <p:cNvPr id="3" name="Content Placeholder 2">
+            <a:extLst>
+              <a:ext uri="{FF2B5EF4-FFF2-40B4-BE49-F238E27FC236}">
+                <a16:creationId xmlns:a16="http://schemas.microsoft.com/office/drawing/2014/main" id="{29497A76-029A-3F04-F878-6E5B60A5B538}"/>
+              </a:ext>
+            </a:extLst>
+          </p:cNvPr>
+          <p:cNvSpPr>
+            <a:spLocks noGrp="1"/>
+          </p:cNvSpPr>
+          <p:nvPr>
+            <p:ph idx="1"/>
+          </p:nvPr>
+        </p:nvSpPr>
+        <p:spPr/>
+        <p:txBody>
+          <a:bodyPr/>
+          <a:lstStyle/>
+          <a:p>
+            <a:r>
+              <a:rPr lang="en-US" dirty="0"/>
+              <a:t>When to choose the augmentation? At every step? Or for every episode and keep the augmentation for the entire episode?</a:t>
+            </a:r>
+          </a:p>
+          <a:p>
+            <a:r>
+              <a:rPr lang="en-US" dirty="0" err="1"/>
+              <a:t>gym.vector.SyncVectorEnv</a:t>
+            </a:r>
+            <a:r>
+              <a:rPr lang="en-US" dirty="0"/>
+              <a:t> for speed up? </a:t>
+            </a:r>
+          </a:p>
+        </p:txBody>
+      </p:sp>
+    </p:spTree>
+    <p:extLst>
+      <p:ext uri="{BB962C8B-B14F-4D97-AF65-F5344CB8AC3E}">
+        <p14:creationId xmlns:p14="http://schemas.microsoft.com/office/powerpoint/2010/main" val="3411387068"/>
+      </p:ext>
+    </p:extLst>
+  </p:cSld>
+  <p:clrMapOvr>
+    <a:masterClrMapping/>
+  </p:clrMapOvr>
+</p:sld>
+</file>
+
 <file path=ppt/slides/slide2.xml><?xml version="1.0" encoding="utf-8"?>
 <p:sld xmlns:a="http://schemas.openxmlformats.org/drawingml/2006/main" xmlns:r="http://schemas.openxmlformats.org/officeDocument/2006/relationships" xmlns:p="http://schemas.openxmlformats.org/presentationml/2006/main">
   <p:cSld>
@@ -3844,6 +4569,502 @@
     <p:extLst>
       <p:ext uri="{BB962C8B-B14F-4D97-AF65-F5344CB8AC3E}">
         <p14:creationId xmlns:p14="http://schemas.microsoft.com/office/powerpoint/2010/main" val="61009910"/>
+      </p:ext>
+    </p:extLst>
+  </p:cSld>
+  <p:clrMapOvr>
+    <a:masterClrMapping/>
+  </p:clrMapOvr>
+</p:sld>
+</file>
+
+<file path=ppt/slides/slide5.xml><?xml version="1.0" encoding="utf-8"?>
+<p:sld xmlns:a="http://schemas.openxmlformats.org/drawingml/2006/main" xmlns:r="http://schemas.openxmlformats.org/officeDocument/2006/relationships" xmlns:p="http://schemas.openxmlformats.org/presentationml/2006/main">
+  <p:cSld>
+    <p:spTree>
+      <p:nvGrpSpPr>
+        <p:cNvPr id="1" name=""/>
+        <p:cNvGrpSpPr/>
+        <p:nvPr/>
+      </p:nvGrpSpPr>
+      <p:grpSpPr>
+        <a:xfrm>
+          <a:off x="0" y="0"/>
+          <a:ext cx="0" cy="0"/>
+          <a:chOff x="0" y="0"/>
+          <a:chExt cx="0" cy="0"/>
+        </a:xfrm>
+      </p:grpSpPr>
+      <p:sp>
+        <p:nvSpPr>
+          <p:cNvPr id="2" name="Title 1">
+            <a:extLst>
+              <a:ext uri="{FF2B5EF4-FFF2-40B4-BE49-F238E27FC236}">
+                <a16:creationId xmlns:a16="http://schemas.microsoft.com/office/drawing/2014/main" id="{2C073120-F5E9-3AAE-63B6-B39CBF69AB34}"/>
+              </a:ext>
+            </a:extLst>
+          </p:cNvPr>
+          <p:cNvSpPr>
+            <a:spLocks noGrp="1"/>
+          </p:cNvSpPr>
+          <p:nvPr>
+            <p:ph type="title"/>
+          </p:nvPr>
+        </p:nvSpPr>
+        <p:spPr/>
+        <p:txBody>
+          <a:bodyPr/>
+          <a:lstStyle/>
+          <a:p>
+            <a:r>
+              <a:rPr lang="en-US" dirty="0"/>
+              <a:t>The following tests were done without any augmentation</a:t>
+            </a:r>
+          </a:p>
+        </p:txBody>
+      </p:sp>
+    </p:spTree>
+    <p:extLst>
+      <p:ext uri="{BB962C8B-B14F-4D97-AF65-F5344CB8AC3E}">
+        <p14:creationId xmlns:p14="http://schemas.microsoft.com/office/powerpoint/2010/main" val="2189858842"/>
+      </p:ext>
+    </p:extLst>
+  </p:cSld>
+  <p:clrMapOvr>
+    <a:masterClrMapping/>
+  </p:clrMapOvr>
+</p:sld>
+</file>
+
+<file path=ppt/slides/slide6.xml><?xml version="1.0" encoding="utf-8"?>
+<p:sld xmlns:a="http://schemas.openxmlformats.org/drawingml/2006/main" xmlns:r="http://schemas.openxmlformats.org/officeDocument/2006/relationships" xmlns:p="http://schemas.openxmlformats.org/presentationml/2006/main">
+  <p:cSld>
+    <p:spTree>
+      <p:nvGrpSpPr>
+        <p:cNvPr id="1" name=""/>
+        <p:cNvGrpSpPr/>
+        <p:nvPr/>
+      </p:nvGrpSpPr>
+      <p:grpSpPr>
+        <a:xfrm>
+          <a:off x="0" y="0"/>
+          <a:ext cx="0" cy="0"/>
+          <a:chOff x="0" y="0"/>
+          <a:chExt cx="0" cy="0"/>
+        </a:xfrm>
+      </p:grpSpPr>
+      <p:pic>
+        <p:nvPicPr>
+          <p:cNvPr id="4" name="Picture 3">
+            <a:extLst>
+              <a:ext uri="{FF2B5EF4-FFF2-40B4-BE49-F238E27FC236}">
+                <a16:creationId xmlns:a16="http://schemas.microsoft.com/office/drawing/2014/main" id="{65F103D8-33D2-A4B5-93F4-43E94425902B}"/>
+              </a:ext>
+            </a:extLst>
+          </p:cNvPr>
+          <p:cNvPicPr>
+            <a:picLocks noChangeAspect="1"/>
+          </p:cNvPicPr>
+          <p:nvPr/>
+        </p:nvPicPr>
+        <p:blipFill>
+          <a:blip r:embed="rId2"/>
+          <a:stretch>
+            <a:fillRect/>
+          </a:stretch>
+        </p:blipFill>
+        <p:spPr>
+          <a:xfrm>
+            <a:off x="614406" y="544685"/>
+            <a:ext cx="7638095" cy="5990476"/>
+          </a:xfrm>
+          <a:prstGeom prst="rect">
+            <a:avLst/>
+          </a:prstGeom>
+        </p:spPr>
+      </p:pic>
+      <p:pic>
+        <p:nvPicPr>
+          <p:cNvPr id="6" name="Picture 5">
+            <a:extLst>
+              <a:ext uri="{FF2B5EF4-FFF2-40B4-BE49-F238E27FC236}">
+                <a16:creationId xmlns:a16="http://schemas.microsoft.com/office/drawing/2014/main" id="{54CBBE9A-D1AE-6EF1-F4D6-2F6D193A19EA}"/>
+              </a:ext>
+            </a:extLst>
+          </p:cNvPr>
+          <p:cNvPicPr>
+            <a:picLocks noChangeAspect="1"/>
+          </p:cNvPicPr>
+          <p:nvPr/>
+        </p:nvPicPr>
+        <p:blipFill>
+          <a:blip r:embed="rId3"/>
+          <a:stretch>
+            <a:fillRect/>
+          </a:stretch>
+        </p:blipFill>
+        <p:spPr>
+          <a:xfrm>
+            <a:off x="8600844" y="621460"/>
+            <a:ext cx="3247619" cy="2733333"/>
+          </a:xfrm>
+          <a:prstGeom prst="rect">
+            <a:avLst/>
+          </a:prstGeom>
+        </p:spPr>
+      </p:pic>
+      <p:sp>
+        <p:nvSpPr>
+          <p:cNvPr id="7" name="TextBox 6">
+            <a:extLst>
+              <a:ext uri="{FF2B5EF4-FFF2-40B4-BE49-F238E27FC236}">
+                <a16:creationId xmlns:a16="http://schemas.microsoft.com/office/drawing/2014/main" id="{C24128CA-9037-523D-0CA9-032F925C7264}"/>
+              </a:ext>
+            </a:extLst>
+          </p:cNvPr>
+          <p:cNvSpPr txBox="1"/>
+          <p:nvPr/>
+        </p:nvSpPr>
+        <p:spPr>
+          <a:xfrm>
+            <a:off x="8600844" y="3409118"/>
+            <a:ext cx="3247619" cy="261610"/>
+          </a:xfrm>
+          <a:prstGeom prst="rect">
+            <a:avLst/>
+          </a:prstGeom>
+          <a:noFill/>
+        </p:spPr>
+        <p:txBody>
+          <a:bodyPr wrap="square" rtlCol="0">
+            <a:spAutoFit/>
+          </a:bodyPr>
+          <a:lstStyle/>
+          <a:p>
+            <a:pPr algn="r"/>
+            <a:r>
+              <a:rPr lang="en-US" sz="1100" dirty="0"/>
+              <a:t>Smoothing 0.8</a:t>
+            </a:r>
+          </a:p>
+        </p:txBody>
+      </p:sp>
+    </p:spTree>
+    <p:extLst>
+      <p:ext uri="{BB962C8B-B14F-4D97-AF65-F5344CB8AC3E}">
+        <p14:creationId xmlns:p14="http://schemas.microsoft.com/office/powerpoint/2010/main" val="994561694"/>
+      </p:ext>
+    </p:extLst>
+  </p:cSld>
+  <p:clrMapOvr>
+    <a:masterClrMapping/>
+  </p:clrMapOvr>
+</p:sld>
+</file>
+
+<file path=ppt/slides/slide7.xml><?xml version="1.0" encoding="utf-8"?>
+<p:sld xmlns:a="http://schemas.openxmlformats.org/drawingml/2006/main" xmlns:r="http://schemas.openxmlformats.org/officeDocument/2006/relationships" xmlns:p="http://schemas.openxmlformats.org/presentationml/2006/main">
+  <p:cSld>
+    <p:spTree>
+      <p:nvGrpSpPr>
+        <p:cNvPr id="1" name=""/>
+        <p:cNvGrpSpPr/>
+        <p:nvPr/>
+      </p:nvGrpSpPr>
+      <p:grpSpPr>
+        <a:xfrm>
+          <a:off x="0" y="0"/>
+          <a:ext cx="0" cy="0"/>
+          <a:chOff x="0" y="0"/>
+          <a:chExt cx="0" cy="0"/>
+        </a:xfrm>
+      </p:grpSpPr>
+      <p:sp>
+        <p:nvSpPr>
+          <p:cNvPr id="7" name="TextBox 6">
+            <a:extLst>
+              <a:ext uri="{FF2B5EF4-FFF2-40B4-BE49-F238E27FC236}">
+                <a16:creationId xmlns:a16="http://schemas.microsoft.com/office/drawing/2014/main" id="{C24128CA-9037-523D-0CA9-032F925C7264}"/>
+              </a:ext>
+            </a:extLst>
+          </p:cNvPr>
+          <p:cNvSpPr txBox="1"/>
+          <p:nvPr/>
+        </p:nvSpPr>
+        <p:spPr>
+          <a:xfrm>
+            <a:off x="8600844" y="3409118"/>
+            <a:ext cx="3247619" cy="261610"/>
+          </a:xfrm>
+          <a:prstGeom prst="rect">
+            <a:avLst/>
+          </a:prstGeom>
+          <a:noFill/>
+        </p:spPr>
+        <p:txBody>
+          <a:bodyPr wrap="square" rtlCol="0">
+            <a:spAutoFit/>
+          </a:bodyPr>
+          <a:lstStyle/>
+          <a:p>
+            <a:pPr algn="r"/>
+            <a:r>
+              <a:rPr lang="en-US" sz="1100" dirty="0"/>
+              <a:t>Smoothing 0.8</a:t>
+            </a:r>
+          </a:p>
+        </p:txBody>
+      </p:sp>
+      <p:pic>
+        <p:nvPicPr>
+          <p:cNvPr id="3" name="Picture 2">
+            <a:extLst>
+              <a:ext uri="{FF2B5EF4-FFF2-40B4-BE49-F238E27FC236}">
+                <a16:creationId xmlns:a16="http://schemas.microsoft.com/office/drawing/2014/main" id="{2D1024D8-5FC8-115D-F203-EBA997C0DB87}"/>
+              </a:ext>
+            </a:extLst>
+          </p:cNvPr>
+          <p:cNvPicPr>
+            <a:picLocks noChangeAspect="1"/>
+          </p:cNvPicPr>
+          <p:nvPr/>
+        </p:nvPicPr>
+        <p:blipFill>
+          <a:blip r:embed="rId2"/>
+          <a:stretch>
+            <a:fillRect/>
+          </a:stretch>
+        </p:blipFill>
+        <p:spPr>
+          <a:xfrm>
+            <a:off x="605170" y="544685"/>
+            <a:ext cx="7647619" cy="5990476"/>
+          </a:xfrm>
+          <a:prstGeom prst="rect">
+            <a:avLst/>
+          </a:prstGeom>
+        </p:spPr>
+      </p:pic>
+      <p:pic>
+        <p:nvPicPr>
+          <p:cNvPr id="8" name="Picture 7">
+            <a:extLst>
+              <a:ext uri="{FF2B5EF4-FFF2-40B4-BE49-F238E27FC236}">
+                <a16:creationId xmlns:a16="http://schemas.microsoft.com/office/drawing/2014/main" id="{F9BE3857-0D8F-71AE-C2BC-79C22CBDE447}"/>
+              </a:ext>
+            </a:extLst>
+          </p:cNvPr>
+          <p:cNvPicPr>
+            <a:picLocks noChangeAspect="1"/>
+          </p:cNvPicPr>
+          <p:nvPr/>
+        </p:nvPicPr>
+        <p:blipFill>
+          <a:blip r:embed="rId3"/>
+          <a:stretch>
+            <a:fillRect/>
+          </a:stretch>
+        </p:blipFill>
+        <p:spPr>
+          <a:xfrm>
+            <a:off x="8578253" y="659304"/>
+            <a:ext cx="3270210" cy="2647313"/>
+          </a:xfrm>
+          <a:prstGeom prst="rect">
+            <a:avLst/>
+          </a:prstGeom>
+        </p:spPr>
+      </p:pic>
+    </p:spTree>
+    <p:extLst>
+      <p:ext uri="{BB962C8B-B14F-4D97-AF65-F5344CB8AC3E}">
+        <p14:creationId xmlns:p14="http://schemas.microsoft.com/office/powerpoint/2010/main" val="3601715585"/>
+      </p:ext>
+    </p:extLst>
+  </p:cSld>
+  <p:clrMapOvr>
+    <a:masterClrMapping/>
+  </p:clrMapOvr>
+</p:sld>
+</file>
+
+<file path=ppt/slides/slide8.xml><?xml version="1.0" encoding="utf-8"?>
+<p:sld xmlns:a="http://schemas.openxmlformats.org/drawingml/2006/main" xmlns:r="http://schemas.openxmlformats.org/officeDocument/2006/relationships" xmlns:p="http://schemas.openxmlformats.org/presentationml/2006/main">
+  <p:cSld>
+    <p:spTree>
+      <p:nvGrpSpPr>
+        <p:cNvPr id="1" name=""/>
+        <p:cNvGrpSpPr/>
+        <p:nvPr/>
+      </p:nvGrpSpPr>
+      <p:grpSpPr>
+        <a:xfrm>
+          <a:off x="0" y="0"/>
+          <a:ext cx="0" cy="0"/>
+          <a:chOff x="0" y="0"/>
+          <a:chExt cx="0" cy="0"/>
+        </a:xfrm>
+      </p:grpSpPr>
+      <p:sp>
+        <p:nvSpPr>
+          <p:cNvPr id="7" name="TextBox 6">
+            <a:extLst>
+              <a:ext uri="{FF2B5EF4-FFF2-40B4-BE49-F238E27FC236}">
+                <a16:creationId xmlns:a16="http://schemas.microsoft.com/office/drawing/2014/main" id="{C24128CA-9037-523D-0CA9-032F925C7264}"/>
+              </a:ext>
+            </a:extLst>
+          </p:cNvPr>
+          <p:cNvSpPr txBox="1"/>
+          <p:nvPr/>
+        </p:nvSpPr>
+        <p:spPr>
+          <a:xfrm>
+            <a:off x="8600844" y="3409118"/>
+            <a:ext cx="3247619" cy="261610"/>
+          </a:xfrm>
+          <a:prstGeom prst="rect">
+            <a:avLst/>
+          </a:prstGeom>
+          <a:noFill/>
+        </p:spPr>
+        <p:txBody>
+          <a:bodyPr wrap="square" rtlCol="0">
+            <a:spAutoFit/>
+          </a:bodyPr>
+          <a:lstStyle/>
+          <a:p>
+            <a:pPr algn="r"/>
+            <a:r>
+              <a:rPr lang="en-US" sz="1100" dirty="0"/>
+              <a:t>Smoothing 0.8</a:t>
+            </a:r>
+          </a:p>
+        </p:txBody>
+      </p:sp>
+      <p:pic>
+        <p:nvPicPr>
+          <p:cNvPr id="4" name="Picture 3">
+            <a:extLst>
+              <a:ext uri="{FF2B5EF4-FFF2-40B4-BE49-F238E27FC236}">
+                <a16:creationId xmlns:a16="http://schemas.microsoft.com/office/drawing/2014/main" id="{7813D1ED-45B9-000E-B377-3209C966C209}"/>
+              </a:ext>
+            </a:extLst>
+          </p:cNvPr>
+          <p:cNvPicPr>
+            <a:picLocks noChangeAspect="1"/>
+          </p:cNvPicPr>
+          <p:nvPr/>
+        </p:nvPicPr>
+        <p:blipFill>
+          <a:blip r:embed="rId2"/>
+          <a:stretch>
+            <a:fillRect/>
+          </a:stretch>
+        </p:blipFill>
+        <p:spPr>
+          <a:xfrm>
+            <a:off x="605170" y="544311"/>
+            <a:ext cx="7628571" cy="5990476"/>
+          </a:xfrm>
+          <a:prstGeom prst="rect">
+            <a:avLst/>
+          </a:prstGeom>
+        </p:spPr>
+      </p:pic>
+      <p:pic>
+        <p:nvPicPr>
+          <p:cNvPr id="6" name="Picture 5">
+            <a:extLst>
+              <a:ext uri="{FF2B5EF4-FFF2-40B4-BE49-F238E27FC236}">
+                <a16:creationId xmlns:a16="http://schemas.microsoft.com/office/drawing/2014/main" id="{15EC70D7-1E35-55E4-A2EC-2B5936D1AFC8}"/>
+              </a:ext>
+            </a:extLst>
+          </p:cNvPr>
+          <p:cNvPicPr>
+            <a:picLocks noChangeAspect="1"/>
+          </p:cNvPicPr>
+          <p:nvPr/>
+        </p:nvPicPr>
+        <p:blipFill>
+          <a:blip r:embed="rId3"/>
+          <a:stretch>
+            <a:fillRect/>
+          </a:stretch>
+        </p:blipFill>
+        <p:spPr>
+          <a:xfrm>
+            <a:off x="8581796" y="663887"/>
+            <a:ext cx="3266667" cy="2641740"/>
+          </a:xfrm>
+          <a:prstGeom prst="rect">
+            <a:avLst/>
+          </a:prstGeom>
+        </p:spPr>
+      </p:pic>
+    </p:spTree>
+    <p:extLst>
+      <p:ext uri="{BB962C8B-B14F-4D97-AF65-F5344CB8AC3E}">
+        <p14:creationId xmlns:p14="http://schemas.microsoft.com/office/powerpoint/2010/main" val="3477662184"/>
+      </p:ext>
+    </p:extLst>
+  </p:cSld>
+  <p:clrMapOvr>
+    <a:masterClrMapping/>
+  </p:clrMapOvr>
+</p:sld>
+</file>
+
+<file path=ppt/slides/slide9.xml><?xml version="1.0" encoding="utf-8"?>
+<p:sld xmlns:a="http://schemas.openxmlformats.org/drawingml/2006/main" xmlns:r="http://schemas.openxmlformats.org/officeDocument/2006/relationships" xmlns:p="http://schemas.openxmlformats.org/presentationml/2006/main">
+  <p:cSld>
+    <p:spTree>
+      <p:nvGrpSpPr>
+        <p:cNvPr id="1" name=""/>
+        <p:cNvGrpSpPr/>
+        <p:nvPr/>
+      </p:nvGrpSpPr>
+      <p:grpSpPr>
+        <a:xfrm>
+          <a:off x="0" y="0"/>
+          <a:ext cx="0" cy="0"/>
+          <a:chOff x="0" y="0"/>
+          <a:chExt cx="0" cy="0"/>
+        </a:xfrm>
+      </p:grpSpPr>
+      <p:pic>
+        <p:nvPicPr>
+          <p:cNvPr id="4" name="Picture 3">
+            <a:extLst>
+              <a:ext uri="{FF2B5EF4-FFF2-40B4-BE49-F238E27FC236}">
+                <a16:creationId xmlns:a16="http://schemas.microsoft.com/office/drawing/2014/main" id="{69FDD3F2-E059-F0FC-7E29-6F931446B0DB}"/>
+              </a:ext>
+            </a:extLst>
+          </p:cNvPr>
+          <p:cNvPicPr>
+            <a:picLocks noChangeAspect="1"/>
+          </p:cNvPicPr>
+          <p:nvPr/>
+        </p:nvPicPr>
+        <p:blipFill>
+          <a:blip r:embed="rId2"/>
+          <a:stretch>
+            <a:fillRect/>
+          </a:stretch>
+        </p:blipFill>
+        <p:spPr>
+          <a:xfrm>
+            <a:off x="2597076" y="329640"/>
+            <a:ext cx="6997848" cy="6358914"/>
+          </a:xfrm>
+          <a:prstGeom prst="rect">
+            <a:avLst/>
+          </a:prstGeom>
+        </p:spPr>
+      </p:pic>
+    </p:spTree>
+    <p:extLst>
+      <p:ext uri="{BB962C8B-B14F-4D97-AF65-F5344CB8AC3E}">
+        <p14:creationId xmlns:p14="http://schemas.microsoft.com/office/powerpoint/2010/main" val="2839320222"/>
       </p:ext>
     </p:extLst>
   </p:cSld>
